--- a/week 11/EDA_Project.pptx
+++ b/week 11/EDA_Project.pptx
@@ -120,7 +120,7 @@
   </p:defaultTextStyle>
   <p:extLst>
     <p:ext uri="{EFAFB233-063F-42B5-8137-9DF3F51BA10A}">
-      <p15:sldGuideLst xmlns:p15="http://schemas.microsoft.com/office/powerpoint/2012/main" xmlns=""/>
+      <p15:sldGuideLst xmlns="" xmlns:p15="http://schemas.microsoft.com/office/powerpoint/2012/main"/>
     </p:ext>
   </p:extLst>
 </p:presentation>
@@ -308,7 +308,7 @@
     </p:spTree>
     <p:extLst>
       <p:ext uri="{BB962C8B-B14F-4D97-AF65-F5344CB8AC3E}">
-        <p14:creationId xmlns:p14="http://schemas.microsoft.com/office/powerpoint/2010/main" xmlns="" val="1249232571"/>
+        <p14:creationId xmlns="" xmlns:p14="http://schemas.microsoft.com/office/powerpoint/2010/main" val="1249232571"/>
       </p:ext>
     </p:extLst>
   </p:cSld>
@@ -478,7 +478,7 @@
     </p:spTree>
     <p:extLst>
       <p:ext uri="{BB962C8B-B14F-4D97-AF65-F5344CB8AC3E}">
-        <p14:creationId xmlns:p14="http://schemas.microsoft.com/office/powerpoint/2010/main" xmlns="" val="754809317"/>
+        <p14:creationId xmlns="" xmlns:p14="http://schemas.microsoft.com/office/powerpoint/2010/main" val="754809317"/>
       </p:ext>
     </p:extLst>
   </p:cSld>
@@ -658,7 +658,7 @@
     </p:spTree>
     <p:extLst>
       <p:ext uri="{BB962C8B-B14F-4D97-AF65-F5344CB8AC3E}">
-        <p14:creationId xmlns:p14="http://schemas.microsoft.com/office/powerpoint/2010/main" xmlns="" val="4178620672"/>
+        <p14:creationId xmlns="" xmlns:p14="http://schemas.microsoft.com/office/powerpoint/2010/main" val="4178620672"/>
       </p:ext>
     </p:extLst>
   </p:cSld>
@@ -828,7 +828,7 @@
     </p:spTree>
     <p:extLst>
       <p:ext uri="{BB962C8B-B14F-4D97-AF65-F5344CB8AC3E}">
-        <p14:creationId xmlns:p14="http://schemas.microsoft.com/office/powerpoint/2010/main" xmlns="" val="204894193"/>
+        <p14:creationId xmlns="" xmlns:p14="http://schemas.microsoft.com/office/powerpoint/2010/main" val="204894193"/>
       </p:ext>
     </p:extLst>
   </p:cSld>
@@ -1075,7 +1075,7 @@
     </p:spTree>
     <p:extLst>
       <p:ext uri="{BB962C8B-B14F-4D97-AF65-F5344CB8AC3E}">
-        <p14:creationId xmlns:p14="http://schemas.microsoft.com/office/powerpoint/2010/main" xmlns="" val="1887173672"/>
+        <p14:creationId xmlns="" xmlns:p14="http://schemas.microsoft.com/office/powerpoint/2010/main" val="1887173672"/>
       </p:ext>
     </p:extLst>
   </p:cSld>
@@ -1306,7 +1306,7 @@
     </p:spTree>
     <p:extLst>
       <p:ext uri="{BB962C8B-B14F-4D97-AF65-F5344CB8AC3E}">
-        <p14:creationId xmlns:p14="http://schemas.microsoft.com/office/powerpoint/2010/main" xmlns="" val="1312881238"/>
+        <p14:creationId xmlns="" xmlns:p14="http://schemas.microsoft.com/office/powerpoint/2010/main" val="1312881238"/>
       </p:ext>
     </p:extLst>
   </p:cSld>
@@ -1672,7 +1672,7 @@
     </p:spTree>
     <p:extLst>
       <p:ext uri="{BB962C8B-B14F-4D97-AF65-F5344CB8AC3E}">
-        <p14:creationId xmlns:p14="http://schemas.microsoft.com/office/powerpoint/2010/main" xmlns="" val="887126403"/>
+        <p14:creationId xmlns="" xmlns:p14="http://schemas.microsoft.com/office/powerpoint/2010/main" val="887126403"/>
       </p:ext>
     </p:extLst>
   </p:cSld>
@@ -1791,7 +1791,7 @@
     </p:spTree>
     <p:extLst>
       <p:ext uri="{BB962C8B-B14F-4D97-AF65-F5344CB8AC3E}">
-        <p14:creationId xmlns:p14="http://schemas.microsoft.com/office/powerpoint/2010/main" xmlns="" val="3840621211"/>
+        <p14:creationId xmlns="" xmlns:p14="http://schemas.microsoft.com/office/powerpoint/2010/main" val="3840621211"/>
       </p:ext>
     </p:extLst>
   </p:cSld>
@@ -1888,7 +1888,7 @@
     </p:spTree>
     <p:extLst>
       <p:ext uri="{BB962C8B-B14F-4D97-AF65-F5344CB8AC3E}">
-        <p14:creationId xmlns:p14="http://schemas.microsoft.com/office/powerpoint/2010/main" xmlns="" val="3747478107"/>
+        <p14:creationId xmlns="" xmlns:p14="http://schemas.microsoft.com/office/powerpoint/2010/main" val="3747478107"/>
       </p:ext>
     </p:extLst>
   </p:cSld>
@@ -2165,7 +2165,7 @@
     </p:spTree>
     <p:extLst>
       <p:ext uri="{BB962C8B-B14F-4D97-AF65-F5344CB8AC3E}">
-        <p14:creationId xmlns:p14="http://schemas.microsoft.com/office/powerpoint/2010/main" xmlns="" val="935815795"/>
+        <p14:creationId xmlns="" xmlns:p14="http://schemas.microsoft.com/office/powerpoint/2010/main" val="935815795"/>
       </p:ext>
     </p:extLst>
   </p:cSld>
@@ -2422,7 +2422,7 @@
     </p:spTree>
     <p:extLst>
       <p:ext uri="{BB962C8B-B14F-4D97-AF65-F5344CB8AC3E}">
-        <p14:creationId xmlns:p14="http://schemas.microsoft.com/office/powerpoint/2010/main" xmlns="" val="3625847492"/>
+        <p14:creationId xmlns="" xmlns:p14="http://schemas.microsoft.com/office/powerpoint/2010/main" val="3625847492"/>
       </p:ext>
     </p:extLst>
   </p:cSld>
@@ -2671,7 +2671,7 @@
     </p:spTree>
     <p:extLst>
       <p:ext uri="{BB962C8B-B14F-4D97-AF65-F5344CB8AC3E}">
-        <p14:creationId xmlns:p14="http://schemas.microsoft.com/office/powerpoint/2010/main" xmlns="" val="3221718216"/>
+        <p14:creationId xmlns="" xmlns:p14="http://schemas.microsoft.com/office/powerpoint/2010/main" val="3221718216"/>
       </p:ext>
     </p:extLst>
   </p:cSld>
@@ -3002,7 +3002,7 @@
           <p:cNvPr id="6" name="Picture 5">
             <a:extLst>
               <a:ext uri="{FF2B5EF4-FFF2-40B4-BE49-F238E27FC236}">
-                <a16:creationId xmlns:a16="http://schemas.microsoft.com/office/drawing/2014/main" xmlns="" id="{841DC996-1A4B-4D4F-A733-3A00E5ABC2BB}"/>
+                <a16:creationId xmlns="" xmlns:a16="http://schemas.microsoft.com/office/drawing/2014/main" id="{841DC996-1A4B-4D4F-A733-3A00E5ABC2BB}"/>
               </a:ext>
             </a:extLst>
           </p:cNvPr>
@@ -3015,7 +3015,7 @@
           <a:blip r:embed="rId2">
             <a:extLst>
               <a:ext uri="{28A0092B-C50C-407E-A947-70E740481C1C}">
-                <a14:useLocalDpi xmlns:a14="http://schemas.microsoft.com/office/drawing/2010/main" xmlns="" val="0"/>
+                <a14:useLocalDpi xmlns="" xmlns:a14="http://schemas.microsoft.com/office/drawing/2010/main" val="0"/>
               </a:ext>
             </a:extLst>
           </a:blip>
@@ -3038,7 +3038,7 @@
           <p:cNvPr id="11" name="TextBox 10">
             <a:extLst>
               <a:ext uri="{FF2B5EF4-FFF2-40B4-BE49-F238E27FC236}">
-                <a16:creationId xmlns:a16="http://schemas.microsoft.com/office/drawing/2014/main" xmlns="" id="{00CC22B5-8500-2C45-91DE-A596A6DF1C3B}"/>
+                <a16:creationId xmlns="" xmlns:a16="http://schemas.microsoft.com/office/drawing/2014/main" id="{00CC22B5-8500-2C45-91DE-A596A6DF1C3B}"/>
               </a:ext>
             </a:extLst>
           </p:cNvPr>
@@ -3048,7 +3048,7 @@
         <p:spPr>
           <a:xfrm>
             <a:off x="870857" y="2380343"/>
-            <a:ext cx="8873711" cy="2769989"/>
+            <a:ext cx="10387844" cy="4493538"/>
           </a:xfrm>
           <a:prstGeom prst="rect">
             <a:avLst/>
@@ -3092,15 +3092,68 @@
             </a:r>
             <a:r>
               <a:rPr lang="en-US" sz="2800" b="1" dirty="0"/>
-              <a:t> Aug 2022</a:t>
-            </a:r>
+              <a:t> Aug </a:t>
+            </a:r>
+            <a:r>
+              <a:rPr lang="en-US" sz="2800" b="1" dirty="0" smtClean="0"/>
+              <a:t>2022</a:t>
+            </a:r>
+          </a:p>
+          <a:p>
+            <a:endParaRPr lang="en-US" sz="2800" b="1" dirty="0" smtClean="0"/>
+          </a:p>
+          <a:p>
+            <a:r>
+              <a:rPr lang="en-US" sz="2800" dirty="0" err="1" smtClean="0"/>
+              <a:t>Github</a:t>
+            </a:r>
+            <a:r>
+              <a:rPr lang="en-US" sz="2800" dirty="0" smtClean="0"/>
+              <a:t> Repo link: </a:t>
+            </a:r>
+            <a:r>
+              <a:rPr lang="en-US" sz="2800" dirty="0" smtClean="0">
+                <a:solidFill>
+                  <a:schemeClr val="accent1"/>
+                </a:solidFill>
+                <a:hlinkClick r:id="rId3"/>
+              </a:rPr>
+              <a:t>https://github.com/amohini099/Banco-de-portugal-</a:t>
+            </a:r>
+          </a:p>
+          <a:p>
+            <a:r>
+              <a:rPr lang="en-US" sz="2800" dirty="0" smtClean="0">
+                <a:solidFill>
+                  <a:schemeClr val="accent1"/>
+                </a:solidFill>
+                <a:hlinkClick r:id="rId3"/>
+              </a:rPr>
+              <a:t>marketing</a:t>
+            </a:r>
+            <a:r>
+              <a:rPr lang="en-US" sz="2800" dirty="0" smtClean="0">
+                <a:solidFill>
+                  <a:schemeClr val="accent1"/>
+                </a:solidFill>
+              </a:rPr>
+              <a:t>/tree/main/week%2011</a:t>
+            </a:r>
+            <a:endParaRPr lang="en-US" sz="2800" b="1" dirty="0" smtClean="0">
+              <a:solidFill>
+                <a:schemeClr val="accent1"/>
+              </a:solidFill>
+            </a:endParaRPr>
+          </a:p>
+          <a:p>
+            <a:endParaRPr lang="en-US" sz="2800" b="1" dirty="0"/>
           </a:p>
         </p:txBody>
       </p:sp>
     </p:spTree>
     <p:extLst>
       <p:ext uri="{BB962C8B-B14F-4D97-AF65-F5344CB8AC3E}">
-        <p14:creationId xmlns:p14="http://schemas.microsoft.com/office/powerpoint/2010/main" xmlns="" val="109857222"/>
+        <p14:creationId xmlns="" xmlns:p14="http://schemas.microsoft.com/office/powerpoint/2010/main" val="109857222"/>
       </p:ext>
     </p:extLst>
   </p:cSld>
@@ -3132,7 +3185,7 @@
           <p:cNvPr id="2" name="Title 1">
             <a:extLst>
               <a:ext uri="{FF2B5EF4-FFF2-40B4-BE49-F238E27FC236}">
-                <a16:creationId xmlns:a16="http://schemas.microsoft.com/office/drawing/2014/main" xmlns="" id="{E8B8F26E-9345-4747-9094-972E38700A17}"/>
+                <a16:creationId xmlns="" xmlns:a16="http://schemas.microsoft.com/office/drawing/2014/main" id="{E8B8F26E-9345-4747-9094-972E38700A17}"/>
               </a:ext>
             </a:extLst>
           </p:cNvPr>
@@ -3185,7 +3238,7 @@
           <p:cNvPr id="4" name="Picture 3">
             <a:extLst>
               <a:ext uri="{FF2B5EF4-FFF2-40B4-BE49-F238E27FC236}">
-                <a16:creationId xmlns:a16="http://schemas.microsoft.com/office/drawing/2014/main" xmlns="" id="{7A465064-0714-5743-882B-8875105A7023}"/>
+                <a16:creationId xmlns="" xmlns:a16="http://schemas.microsoft.com/office/drawing/2014/main" id="{7A465064-0714-5743-882B-8875105A7023}"/>
               </a:ext>
             </a:extLst>
           </p:cNvPr>
@@ -3198,7 +3251,7 @@
           <a:blip r:embed="rId2" cstate="print">
             <a:extLst>
               <a:ext uri="{28A0092B-C50C-407E-A947-70E740481C1C}">
-                <a14:useLocalDpi xmlns:a14="http://schemas.microsoft.com/office/drawing/2010/main" xmlns="" val="0"/>
+                <a14:useLocalDpi xmlns="" xmlns:a14="http://schemas.microsoft.com/office/drawing/2010/main" val="0"/>
               </a:ext>
             </a:extLst>
           </a:blip>
@@ -3221,7 +3274,7 @@
           <p:cNvPr id="6" name="Subtitle 5">
             <a:extLst>
               <a:ext uri="{FF2B5EF4-FFF2-40B4-BE49-F238E27FC236}">
-                <a16:creationId xmlns:a16="http://schemas.microsoft.com/office/drawing/2014/main" xmlns="" id="{A58A813F-93DD-6859-D690-7359783865B3}"/>
+                <a16:creationId xmlns="" xmlns:a16="http://schemas.microsoft.com/office/drawing/2014/main" id="{A58A813F-93DD-6859-D690-7359783865B3}"/>
               </a:ext>
             </a:extLst>
           </p:cNvPr>
@@ -3260,7 +3313,7 @@
           <p:cNvPr id="7" name="Picture 6" descr="Chart, waterfall chart&#10;&#10;Description automatically generated">
             <a:extLst>
               <a:ext uri="{FF2B5EF4-FFF2-40B4-BE49-F238E27FC236}">
-                <a16:creationId xmlns:a16="http://schemas.microsoft.com/office/drawing/2014/main" xmlns="" id="{E117EA91-F1FA-8735-5804-3F3EA73859B7}"/>
+                <a16:creationId xmlns="" xmlns:a16="http://schemas.microsoft.com/office/drawing/2014/main" id="{E117EA91-F1FA-8735-5804-3F3EA73859B7}"/>
               </a:ext>
             </a:extLst>
           </p:cNvPr>
@@ -3273,7 +3326,7 @@
           <a:blip r:embed="rId3">
             <a:extLst>
               <a:ext uri="{28A0092B-C50C-407E-A947-70E740481C1C}">
-                <a14:useLocalDpi xmlns:a14="http://schemas.microsoft.com/office/drawing/2010/main" xmlns="" val="0"/>
+                <a14:useLocalDpi xmlns="" xmlns:a14="http://schemas.microsoft.com/office/drawing/2010/main" val="0"/>
               </a:ext>
             </a:extLst>
           </a:blip>
@@ -3296,7 +3349,7 @@
           <p:cNvPr id="8" name="TextBox 7">
             <a:extLst>
               <a:ext uri="{FF2B5EF4-FFF2-40B4-BE49-F238E27FC236}">
-                <a16:creationId xmlns:a16="http://schemas.microsoft.com/office/drawing/2014/main" xmlns="" id="{7E53AE72-5C96-B274-C220-4FDFBBC4E9F3}"/>
+                <a16:creationId xmlns="" xmlns:a16="http://schemas.microsoft.com/office/drawing/2014/main" id="{7E53AE72-5C96-B274-C220-4FDFBBC4E9F3}"/>
               </a:ext>
             </a:extLst>
           </p:cNvPr>
@@ -3330,7 +3383,7 @@
     </p:spTree>
     <p:extLst>
       <p:ext uri="{BB962C8B-B14F-4D97-AF65-F5344CB8AC3E}">
-        <p14:creationId xmlns:p14="http://schemas.microsoft.com/office/powerpoint/2010/main" xmlns="" val="3628456593"/>
+        <p14:creationId xmlns="" xmlns:p14="http://schemas.microsoft.com/office/powerpoint/2010/main" val="3628456593"/>
       </p:ext>
     </p:extLst>
   </p:cSld>
@@ -3362,7 +3415,7 @@
           <p:cNvPr id="2" name="Title 1">
             <a:extLst>
               <a:ext uri="{FF2B5EF4-FFF2-40B4-BE49-F238E27FC236}">
-                <a16:creationId xmlns:a16="http://schemas.microsoft.com/office/drawing/2014/main" xmlns="" id="{E8B8F26E-9345-4747-9094-972E38700A17}"/>
+                <a16:creationId xmlns="" xmlns:a16="http://schemas.microsoft.com/office/drawing/2014/main" id="{E8B8F26E-9345-4747-9094-972E38700A17}"/>
               </a:ext>
             </a:extLst>
           </p:cNvPr>
@@ -3415,7 +3468,7 @@
           <p:cNvPr id="4" name="Picture 3">
             <a:extLst>
               <a:ext uri="{FF2B5EF4-FFF2-40B4-BE49-F238E27FC236}">
-                <a16:creationId xmlns:a16="http://schemas.microsoft.com/office/drawing/2014/main" xmlns="" id="{7A465064-0714-5743-882B-8875105A7023}"/>
+                <a16:creationId xmlns="" xmlns:a16="http://schemas.microsoft.com/office/drawing/2014/main" id="{7A465064-0714-5743-882B-8875105A7023}"/>
               </a:ext>
             </a:extLst>
           </p:cNvPr>
@@ -3428,7 +3481,7 @@
           <a:blip r:embed="rId2" cstate="print">
             <a:extLst>
               <a:ext uri="{28A0092B-C50C-407E-A947-70E740481C1C}">
-                <a14:useLocalDpi xmlns:a14="http://schemas.microsoft.com/office/drawing/2010/main" xmlns="" val="0"/>
+                <a14:useLocalDpi xmlns="" xmlns:a14="http://schemas.microsoft.com/office/drawing/2010/main" val="0"/>
               </a:ext>
             </a:extLst>
           </a:blip>
@@ -3451,7 +3504,7 @@
           <p:cNvPr id="6" name="Subtitle 5">
             <a:extLst>
               <a:ext uri="{FF2B5EF4-FFF2-40B4-BE49-F238E27FC236}">
-                <a16:creationId xmlns:a16="http://schemas.microsoft.com/office/drawing/2014/main" xmlns="" id="{A58A813F-93DD-6859-D690-7359783865B3}"/>
+                <a16:creationId xmlns="" xmlns:a16="http://schemas.microsoft.com/office/drawing/2014/main" id="{A58A813F-93DD-6859-D690-7359783865B3}"/>
               </a:ext>
             </a:extLst>
           </p:cNvPr>
@@ -3490,7 +3543,7 @@
           <p:cNvPr id="5" name="Picture 4" descr="Chart&#10;&#10;Description automatically generated">
             <a:extLst>
               <a:ext uri="{FF2B5EF4-FFF2-40B4-BE49-F238E27FC236}">
-                <a16:creationId xmlns:a16="http://schemas.microsoft.com/office/drawing/2014/main" xmlns="" id="{CE3F33F0-6F82-5F85-E170-5D9F3E4DF053}"/>
+                <a16:creationId xmlns="" xmlns:a16="http://schemas.microsoft.com/office/drawing/2014/main" id="{CE3F33F0-6F82-5F85-E170-5D9F3E4DF053}"/>
               </a:ext>
             </a:extLst>
           </p:cNvPr>
@@ -3503,7 +3556,7 @@
           <a:blip r:embed="rId3">
             <a:extLst>
               <a:ext uri="{28A0092B-C50C-407E-A947-70E740481C1C}">
-                <a14:useLocalDpi xmlns:a14="http://schemas.microsoft.com/office/drawing/2010/main" xmlns="" val="0"/>
+                <a14:useLocalDpi xmlns="" xmlns:a14="http://schemas.microsoft.com/office/drawing/2010/main" val="0"/>
               </a:ext>
             </a:extLst>
           </a:blip>
@@ -3526,7 +3579,7 @@
           <p:cNvPr id="9" name="TextBox 8">
             <a:extLst>
               <a:ext uri="{FF2B5EF4-FFF2-40B4-BE49-F238E27FC236}">
-                <a16:creationId xmlns:a16="http://schemas.microsoft.com/office/drawing/2014/main" xmlns="" id="{293B7012-388A-7784-E654-8E56F28881C6}"/>
+                <a16:creationId xmlns="" xmlns:a16="http://schemas.microsoft.com/office/drawing/2014/main" id="{293B7012-388A-7784-E654-8E56F28881C6}"/>
               </a:ext>
             </a:extLst>
           </p:cNvPr>
@@ -3569,7 +3622,7 @@
     </p:spTree>
     <p:extLst>
       <p:ext uri="{BB962C8B-B14F-4D97-AF65-F5344CB8AC3E}">
-        <p14:creationId xmlns:p14="http://schemas.microsoft.com/office/powerpoint/2010/main" xmlns="" val="2083782833"/>
+        <p14:creationId xmlns="" xmlns:p14="http://schemas.microsoft.com/office/powerpoint/2010/main" val="2083782833"/>
       </p:ext>
     </p:extLst>
   </p:cSld>
@@ -3601,7 +3654,7 @@
           <p:cNvPr id="2" name="Title 1">
             <a:extLst>
               <a:ext uri="{FF2B5EF4-FFF2-40B4-BE49-F238E27FC236}">
-                <a16:creationId xmlns:a16="http://schemas.microsoft.com/office/drawing/2014/main" xmlns="" id="{E8B8F26E-9345-4747-9094-972E38700A17}"/>
+                <a16:creationId xmlns="" xmlns:a16="http://schemas.microsoft.com/office/drawing/2014/main" id="{E8B8F26E-9345-4747-9094-972E38700A17}"/>
               </a:ext>
             </a:extLst>
           </p:cNvPr>
@@ -3654,7 +3707,7 @@
           <p:cNvPr id="4" name="Picture 3">
             <a:extLst>
               <a:ext uri="{FF2B5EF4-FFF2-40B4-BE49-F238E27FC236}">
-                <a16:creationId xmlns:a16="http://schemas.microsoft.com/office/drawing/2014/main" xmlns="" id="{7A465064-0714-5743-882B-8875105A7023}"/>
+                <a16:creationId xmlns="" xmlns:a16="http://schemas.microsoft.com/office/drawing/2014/main" id="{7A465064-0714-5743-882B-8875105A7023}"/>
               </a:ext>
             </a:extLst>
           </p:cNvPr>
@@ -3667,7 +3720,7 @@
           <a:blip r:embed="rId2" cstate="print">
             <a:extLst>
               <a:ext uri="{28A0092B-C50C-407E-A947-70E740481C1C}">
-                <a14:useLocalDpi xmlns:a14="http://schemas.microsoft.com/office/drawing/2010/main" xmlns="" val="0"/>
+                <a14:useLocalDpi xmlns="" xmlns:a14="http://schemas.microsoft.com/office/drawing/2010/main" val="0"/>
               </a:ext>
             </a:extLst>
           </a:blip>
@@ -3690,7 +3743,7 @@
           <p:cNvPr id="6" name="Subtitle 5">
             <a:extLst>
               <a:ext uri="{FF2B5EF4-FFF2-40B4-BE49-F238E27FC236}">
-                <a16:creationId xmlns:a16="http://schemas.microsoft.com/office/drawing/2014/main" xmlns="" id="{A58A813F-93DD-6859-D690-7359783865B3}"/>
+                <a16:creationId xmlns="" xmlns:a16="http://schemas.microsoft.com/office/drawing/2014/main" id="{A58A813F-93DD-6859-D690-7359783865B3}"/>
               </a:ext>
             </a:extLst>
           </p:cNvPr>
@@ -3729,7 +3782,7 @@
           <p:cNvPr id="9" name="TextBox 8">
             <a:extLst>
               <a:ext uri="{FF2B5EF4-FFF2-40B4-BE49-F238E27FC236}">
-                <a16:creationId xmlns:a16="http://schemas.microsoft.com/office/drawing/2014/main" xmlns="" id="{293B7012-388A-7784-E654-8E56F28881C6}"/>
+                <a16:creationId xmlns="" xmlns:a16="http://schemas.microsoft.com/office/drawing/2014/main" id="{293B7012-388A-7784-E654-8E56F28881C6}"/>
               </a:ext>
             </a:extLst>
           </p:cNvPr>
@@ -3771,7 +3824,7 @@
           <p:cNvPr id="7" name="Picture 6" descr="A picture containing timeline&#10;&#10;Description automatically generated">
             <a:extLst>
               <a:ext uri="{FF2B5EF4-FFF2-40B4-BE49-F238E27FC236}">
-                <a16:creationId xmlns:a16="http://schemas.microsoft.com/office/drawing/2014/main" xmlns="" id="{5D657002-C704-2FA5-CF99-8C9E8DB18794}"/>
+                <a16:creationId xmlns="" xmlns:a16="http://schemas.microsoft.com/office/drawing/2014/main" id="{5D657002-C704-2FA5-CF99-8C9E8DB18794}"/>
               </a:ext>
             </a:extLst>
           </p:cNvPr>
@@ -3784,7 +3837,7 @@
           <a:blip r:embed="rId3">
             <a:extLst>
               <a:ext uri="{28A0092B-C50C-407E-A947-70E740481C1C}">
-                <a14:useLocalDpi xmlns:a14="http://schemas.microsoft.com/office/drawing/2010/main" xmlns="" val="0"/>
+                <a14:useLocalDpi xmlns="" xmlns:a14="http://schemas.microsoft.com/office/drawing/2010/main" val="0"/>
               </a:ext>
             </a:extLst>
           </a:blip>
@@ -3805,7 +3858,7 @@
     </p:spTree>
     <p:extLst>
       <p:ext uri="{BB962C8B-B14F-4D97-AF65-F5344CB8AC3E}">
-        <p14:creationId xmlns:p14="http://schemas.microsoft.com/office/powerpoint/2010/main" xmlns="" val="1591594368"/>
+        <p14:creationId xmlns="" xmlns:p14="http://schemas.microsoft.com/office/powerpoint/2010/main" val="1591594368"/>
       </p:ext>
     </p:extLst>
   </p:cSld>
@@ -3837,7 +3890,7 @@
           <p:cNvPr id="2" name="Title 1">
             <a:extLst>
               <a:ext uri="{FF2B5EF4-FFF2-40B4-BE49-F238E27FC236}">
-                <a16:creationId xmlns:a16="http://schemas.microsoft.com/office/drawing/2014/main" xmlns="" id="{E8B8F26E-9345-4747-9094-972E38700A17}"/>
+                <a16:creationId xmlns="" xmlns:a16="http://schemas.microsoft.com/office/drawing/2014/main" id="{E8B8F26E-9345-4747-9094-972E38700A17}"/>
               </a:ext>
             </a:extLst>
           </p:cNvPr>
@@ -3890,7 +3943,7 @@
           <p:cNvPr id="4" name="Picture 3">
             <a:extLst>
               <a:ext uri="{FF2B5EF4-FFF2-40B4-BE49-F238E27FC236}">
-                <a16:creationId xmlns:a16="http://schemas.microsoft.com/office/drawing/2014/main" xmlns="" id="{7A465064-0714-5743-882B-8875105A7023}"/>
+                <a16:creationId xmlns="" xmlns:a16="http://schemas.microsoft.com/office/drawing/2014/main" id="{7A465064-0714-5743-882B-8875105A7023}"/>
               </a:ext>
             </a:extLst>
           </p:cNvPr>
@@ -3903,7 +3956,7 @@
           <a:blip r:embed="rId2">
             <a:extLst>
               <a:ext uri="{28A0092B-C50C-407E-A947-70E740481C1C}">
-                <a14:useLocalDpi xmlns:a14="http://schemas.microsoft.com/office/drawing/2010/main" xmlns="" val="0"/>
+                <a14:useLocalDpi xmlns="" xmlns:a14="http://schemas.microsoft.com/office/drawing/2010/main" val="0"/>
               </a:ext>
             </a:extLst>
           </a:blip>
@@ -3926,7 +3979,7 @@
           <p:cNvPr id="6" name="Subtitle 5">
             <a:extLst>
               <a:ext uri="{FF2B5EF4-FFF2-40B4-BE49-F238E27FC236}">
-                <a16:creationId xmlns:a16="http://schemas.microsoft.com/office/drawing/2014/main" xmlns="" id="{A58A813F-93DD-6859-D690-7359783865B3}"/>
+                <a16:creationId xmlns="" xmlns:a16="http://schemas.microsoft.com/office/drawing/2014/main" id="{A58A813F-93DD-6859-D690-7359783865B3}"/>
               </a:ext>
             </a:extLst>
           </p:cNvPr>
@@ -3965,7 +4018,7 @@
           <p:cNvPr id="9" name="TextBox 8">
             <a:extLst>
               <a:ext uri="{FF2B5EF4-FFF2-40B4-BE49-F238E27FC236}">
-                <a16:creationId xmlns:a16="http://schemas.microsoft.com/office/drawing/2014/main" xmlns="" id="{293B7012-388A-7784-E654-8E56F28881C6}"/>
+                <a16:creationId xmlns="" xmlns:a16="http://schemas.microsoft.com/office/drawing/2014/main" id="{293B7012-388A-7784-E654-8E56F28881C6}"/>
               </a:ext>
             </a:extLst>
           </p:cNvPr>
@@ -4014,7 +4067,7 @@
     </p:spTree>
     <p:extLst>
       <p:ext uri="{BB962C8B-B14F-4D97-AF65-F5344CB8AC3E}">
-        <p14:creationId xmlns:p14="http://schemas.microsoft.com/office/powerpoint/2010/main" xmlns="" val="109108415"/>
+        <p14:creationId xmlns="" xmlns:p14="http://schemas.microsoft.com/office/powerpoint/2010/main" val="109108415"/>
       </p:ext>
     </p:extLst>
   </p:cSld>
@@ -4066,15 +4119,7 @@
             </a:r>
             <a:r>
               <a:rPr lang="en-US" b="1" dirty="0" smtClean="0"/>
-              <a:t>Dedicated </a:t>
-            </a:r>
-            <a:r>
-              <a:rPr lang="en-US" b="1" dirty="0" smtClean="0"/>
-              <a:t>to technical user </a:t>
-            </a:r>
-            <a:r>
-              <a:rPr lang="en-US" b="1" dirty="0" smtClean="0"/>
-              <a:t>:</a:t>
+              <a:t>Dedicated to technical user :</a:t>
             </a:r>
             <a:endParaRPr lang="en-US" b="1" dirty="0"/>
           </a:p>
@@ -4123,26 +4168,13 @@
             </a:r>
             <a:r>
               <a:rPr lang="en-US" dirty="0" smtClean="0"/>
-              <a:t> in the model.</a:t>
-            </a:r>
+              <a:t> in the model. </a:t>
+            </a:r>
+          </a:p>
+          <a:p>
             <a:r>
               <a:rPr lang="en-US" dirty="0" smtClean="0"/>
-              <a:t> </a:t>
-            </a:r>
-            <a:endParaRPr lang="en-US" dirty="0" smtClean="0"/>
-          </a:p>
-          <a:p>
-            <a:r>
-              <a:rPr lang="en-US" dirty="0" smtClean="0"/>
-              <a:t>For deep learning and imbalanced datasets, the two main topics that comes to mind is the loss function and the use of dropout layers. The loss function plays a crucial role in deep learning models, and selecting the right one for imbalanced datasets is important, therefore experimenting with different loss functions like weighted cross entropy or the Generalized Dice overlap loss </a:t>
-            </a:r>
-            <a:r>
-              <a:rPr lang="en-US" dirty="0" smtClean="0"/>
-              <a:t>functions. The </a:t>
-            </a:r>
-            <a:r>
-              <a:rPr lang="en-US" dirty="0" smtClean="0"/>
-              <a:t>dropout layer helps to stop </a:t>
+              <a:t>For deep learning and imbalanced datasets, the two main topics that comes to mind is the loss function and the use of dropout layers. The loss function plays a crucial role in deep learning models, and selecting the right one for imbalanced datasets is important, therefore experimenting with different loss functions like weighted cross entropy or the Generalized Dice overlap loss functions. The dropout layer helps to stop </a:t>
             </a:r>
             <a:r>
               <a:rPr lang="en-US" dirty="0" err="1" smtClean="0"/>
@@ -4156,11 +4188,7 @@
           <a:p>
             <a:r>
               <a:rPr lang="en-US" dirty="0" smtClean="0"/>
-              <a:t>We can also use booting </a:t>
-            </a:r>
-            <a:r>
-              <a:rPr lang="en-US" dirty="0" smtClean="0"/>
-              <a:t>trees like </a:t>
+              <a:t>We can also use booting trees like </a:t>
             </a:r>
             <a:r>
               <a:rPr lang="en-US" dirty="0" err="1" smtClean="0"/>
@@ -4182,11 +4210,7 @@
           <a:p>
             <a:r>
               <a:rPr lang="en-US" dirty="0" smtClean="0"/>
-              <a:t>Also a popular method for dealing with imbalanced datasets for machine learning models and deep learning models within the preprocessing phase is data augmentation</a:t>
-            </a:r>
-            <a:r>
-              <a:rPr lang="en-US" dirty="0" smtClean="0"/>
-              <a:t>.</a:t>
+              <a:t>Also a popular method for dealing with imbalanced datasets for machine learning models and deep learning models within the preprocessing phase is data augmentation.</a:t>
             </a:r>
           </a:p>
           <a:p>
@@ -4216,7 +4240,6 @@
               <a:rPr lang="en-US" dirty="0" smtClean="0"/>
               <a:t> is also good option  which combines several base model to produce final optimum solution.</a:t>
             </a:r>
-            <a:endParaRPr lang="en-US" dirty="0" smtClean="0"/>
           </a:p>
           <a:p>
             <a:endParaRPr lang="en-US" dirty="0"/>
@@ -4253,7 +4276,7 @@
           <p:cNvPr id="2" name="Title 1">
             <a:extLst>
               <a:ext uri="{FF2B5EF4-FFF2-40B4-BE49-F238E27FC236}">
-                <a16:creationId xmlns:a16="http://schemas.microsoft.com/office/drawing/2014/main" xmlns="" id="{E8B8F26E-9345-4747-9094-972E38700A17}"/>
+                <a16:creationId xmlns="" xmlns:a16="http://schemas.microsoft.com/office/drawing/2014/main" id="{E8B8F26E-9345-4747-9094-972E38700A17}"/>
               </a:ext>
             </a:extLst>
           </p:cNvPr>
@@ -4290,7 +4313,7 @@
           <p:cNvPr id="4" name="Picture 3">
             <a:extLst>
               <a:ext uri="{FF2B5EF4-FFF2-40B4-BE49-F238E27FC236}">
-                <a16:creationId xmlns:a16="http://schemas.microsoft.com/office/drawing/2014/main" xmlns="" id="{7A465064-0714-5743-882B-8875105A7023}"/>
+                <a16:creationId xmlns="" xmlns:a16="http://schemas.microsoft.com/office/drawing/2014/main" id="{7A465064-0714-5743-882B-8875105A7023}"/>
               </a:ext>
             </a:extLst>
           </p:cNvPr>
@@ -4303,7 +4326,7 @@
           <a:blip r:embed="rId2" cstate="print">
             <a:extLst>
               <a:ext uri="{28A0092B-C50C-407E-A947-70E740481C1C}">
-                <a14:useLocalDpi xmlns:a14="http://schemas.microsoft.com/office/drawing/2010/main" xmlns="" val="0"/>
+                <a14:useLocalDpi xmlns="" xmlns:a14="http://schemas.microsoft.com/office/drawing/2010/main" val="0"/>
               </a:ext>
             </a:extLst>
           </a:blip>
@@ -4326,7 +4349,7 @@
           <p:cNvPr id="6" name="Subtitle 5">
             <a:extLst>
               <a:ext uri="{FF2B5EF4-FFF2-40B4-BE49-F238E27FC236}">
-                <a16:creationId xmlns:a16="http://schemas.microsoft.com/office/drawing/2014/main" xmlns="" id="{2D4BA697-580E-5544-8F2F-194AD99B859F}"/>
+                <a16:creationId xmlns="" xmlns:a16="http://schemas.microsoft.com/office/drawing/2014/main" id="{2D4BA697-580E-5544-8F2F-194AD99B859F}"/>
               </a:ext>
             </a:extLst>
           </p:cNvPr>
@@ -4370,7 +4393,7 @@
     </p:spTree>
     <p:extLst>
       <p:ext uri="{BB962C8B-B14F-4D97-AF65-F5344CB8AC3E}">
-        <p14:creationId xmlns:p14="http://schemas.microsoft.com/office/powerpoint/2010/main" xmlns="" val="116821060"/>
+        <p14:creationId xmlns="" xmlns:p14="http://schemas.microsoft.com/office/powerpoint/2010/main" val="116821060"/>
       </p:ext>
     </p:extLst>
   </p:cSld>
@@ -4410,7 +4433,7 @@
           <p:cNvPr id="6" name="Picture 5">
             <a:extLst>
               <a:ext uri="{FF2B5EF4-FFF2-40B4-BE49-F238E27FC236}">
-                <a16:creationId xmlns:a16="http://schemas.microsoft.com/office/drawing/2014/main" xmlns="" id="{841DC996-1A4B-4D4F-A733-3A00E5ABC2BB}"/>
+                <a16:creationId xmlns="" xmlns:a16="http://schemas.microsoft.com/office/drawing/2014/main" id="{841DC996-1A4B-4D4F-A733-3A00E5ABC2BB}"/>
               </a:ext>
             </a:extLst>
           </p:cNvPr>
@@ -4423,7 +4446,7 @@
           <a:blip r:embed="rId2">
             <a:extLst>
               <a:ext uri="{28A0092B-C50C-407E-A947-70E740481C1C}">
-                <a14:useLocalDpi xmlns:a14="http://schemas.microsoft.com/office/drawing/2010/main" xmlns="" val="0"/>
+                <a14:useLocalDpi xmlns="" xmlns:a14="http://schemas.microsoft.com/office/drawing/2010/main" val="0"/>
               </a:ext>
             </a:extLst>
           </a:blip>
@@ -4446,7 +4469,7 @@
           <p:cNvPr id="11" name="TextBox 10">
             <a:extLst>
               <a:ext uri="{FF2B5EF4-FFF2-40B4-BE49-F238E27FC236}">
-                <a16:creationId xmlns:a16="http://schemas.microsoft.com/office/drawing/2014/main" xmlns="" id="{00CC22B5-8500-2C45-91DE-A596A6DF1C3B}"/>
+                <a16:creationId xmlns="" xmlns:a16="http://schemas.microsoft.com/office/drawing/2014/main" id="{00CC22B5-8500-2C45-91DE-A596A6DF1C3B}"/>
               </a:ext>
             </a:extLst>
           </p:cNvPr>
@@ -4487,7 +4510,7 @@
           <p:cNvPr id="3" name="TextBox 2">
             <a:extLst>
               <a:ext uri="{FF2B5EF4-FFF2-40B4-BE49-F238E27FC236}">
-                <a16:creationId xmlns:a16="http://schemas.microsoft.com/office/drawing/2014/main" xmlns="" id="{B45E4CCD-AE27-1097-5B7D-5D8AE73115EF}"/>
+                <a16:creationId xmlns="" xmlns:a16="http://schemas.microsoft.com/office/drawing/2014/main" id="{B45E4CCD-AE27-1097-5B7D-5D8AE73115EF}"/>
               </a:ext>
             </a:extLst>
           </p:cNvPr>
@@ -4705,7 +4728,7 @@
           <p:cNvPr id="4" name="TextBox 3">
             <a:extLst>
               <a:ext uri="{FF2B5EF4-FFF2-40B4-BE49-F238E27FC236}">
-                <a16:creationId xmlns:a16="http://schemas.microsoft.com/office/drawing/2014/main" xmlns="" id="{6C3AA2DA-FCE1-6F8B-7652-562B19CD5B83}"/>
+                <a16:creationId xmlns="" xmlns:a16="http://schemas.microsoft.com/office/drawing/2014/main" id="{6C3AA2DA-FCE1-6F8B-7652-562B19CD5B83}"/>
               </a:ext>
             </a:extLst>
           </p:cNvPr>
@@ -4798,7 +4821,7 @@
     </p:spTree>
     <p:extLst>
       <p:ext uri="{BB962C8B-B14F-4D97-AF65-F5344CB8AC3E}">
-        <p14:creationId xmlns:p14="http://schemas.microsoft.com/office/powerpoint/2010/main" xmlns="" val="2963836733"/>
+        <p14:creationId xmlns="" xmlns:p14="http://schemas.microsoft.com/office/powerpoint/2010/main" val="2963836733"/>
       </p:ext>
     </p:extLst>
   </p:cSld>
@@ -4830,7 +4853,7 @@
           <p:cNvPr id="2" name="Title 1">
             <a:extLst>
               <a:ext uri="{FF2B5EF4-FFF2-40B4-BE49-F238E27FC236}">
-                <a16:creationId xmlns:a16="http://schemas.microsoft.com/office/drawing/2014/main" xmlns="" id="{E8B8F26E-9345-4747-9094-972E38700A17}"/>
+                <a16:creationId xmlns="" xmlns:a16="http://schemas.microsoft.com/office/drawing/2014/main" id="{E8B8F26E-9345-4747-9094-972E38700A17}"/>
               </a:ext>
             </a:extLst>
           </p:cNvPr>
@@ -4891,7 +4914,7 @@
           <p:cNvPr id="3" name="Subtitle 2">
             <a:extLst>
               <a:ext uri="{FF2B5EF4-FFF2-40B4-BE49-F238E27FC236}">
-                <a16:creationId xmlns:a16="http://schemas.microsoft.com/office/drawing/2014/main" xmlns="" id="{60B3D5A6-E766-7C41-BD00-B22DA4727FBA}"/>
+                <a16:creationId xmlns="" xmlns:a16="http://schemas.microsoft.com/office/drawing/2014/main" id="{60B3D5A6-E766-7C41-BD00-B22DA4727FBA}"/>
               </a:ext>
             </a:extLst>
           </p:cNvPr>
@@ -5067,7 +5090,7 @@
           <p:cNvPr id="4" name="Picture 3">
             <a:extLst>
               <a:ext uri="{FF2B5EF4-FFF2-40B4-BE49-F238E27FC236}">
-                <a16:creationId xmlns:a16="http://schemas.microsoft.com/office/drawing/2014/main" xmlns="" id="{7A465064-0714-5743-882B-8875105A7023}"/>
+                <a16:creationId xmlns="" xmlns:a16="http://schemas.microsoft.com/office/drawing/2014/main" id="{7A465064-0714-5743-882B-8875105A7023}"/>
               </a:ext>
             </a:extLst>
           </p:cNvPr>
@@ -5080,7 +5103,7 @@
           <a:blip r:embed="rId2" cstate="print">
             <a:extLst>
               <a:ext uri="{28A0092B-C50C-407E-A947-70E740481C1C}">
-                <a14:useLocalDpi xmlns:a14="http://schemas.microsoft.com/office/drawing/2010/main" xmlns="" val="0"/>
+                <a14:useLocalDpi xmlns="" xmlns:a14="http://schemas.microsoft.com/office/drawing/2010/main" val="0"/>
               </a:ext>
             </a:extLst>
           </a:blip>
@@ -5101,7 +5124,7 @@
     </p:spTree>
     <p:extLst>
       <p:ext uri="{BB962C8B-B14F-4D97-AF65-F5344CB8AC3E}">
-        <p14:creationId xmlns:p14="http://schemas.microsoft.com/office/powerpoint/2010/main" xmlns="" val="4047255108"/>
+        <p14:creationId xmlns="" xmlns:p14="http://schemas.microsoft.com/office/powerpoint/2010/main" val="4047255108"/>
       </p:ext>
     </p:extLst>
   </p:cSld>
@@ -5133,7 +5156,7 @@
           <p:cNvPr id="2" name="Title 1">
             <a:extLst>
               <a:ext uri="{FF2B5EF4-FFF2-40B4-BE49-F238E27FC236}">
-                <a16:creationId xmlns:a16="http://schemas.microsoft.com/office/drawing/2014/main" xmlns="" id="{E8B8F26E-9345-4747-9094-972E38700A17}"/>
+                <a16:creationId xmlns="" xmlns:a16="http://schemas.microsoft.com/office/drawing/2014/main" id="{E8B8F26E-9345-4747-9094-972E38700A17}"/>
               </a:ext>
             </a:extLst>
           </p:cNvPr>
@@ -5186,7 +5209,7 @@
           <p:cNvPr id="4" name="Picture 3">
             <a:extLst>
               <a:ext uri="{FF2B5EF4-FFF2-40B4-BE49-F238E27FC236}">
-                <a16:creationId xmlns:a16="http://schemas.microsoft.com/office/drawing/2014/main" xmlns="" id="{7A465064-0714-5743-882B-8875105A7023}"/>
+                <a16:creationId xmlns="" xmlns:a16="http://schemas.microsoft.com/office/drawing/2014/main" id="{7A465064-0714-5743-882B-8875105A7023}"/>
               </a:ext>
             </a:extLst>
           </p:cNvPr>
@@ -5199,7 +5222,7 @@
           <a:blip r:embed="rId2">
             <a:extLst>
               <a:ext uri="{28A0092B-C50C-407E-A947-70E740481C1C}">
-                <a14:useLocalDpi xmlns:a14="http://schemas.microsoft.com/office/drawing/2010/main" xmlns="" val="0"/>
+                <a14:useLocalDpi xmlns="" xmlns:a14="http://schemas.microsoft.com/office/drawing/2010/main" val="0"/>
               </a:ext>
             </a:extLst>
           </a:blip>
@@ -5222,7 +5245,7 @@
           <p:cNvPr id="6" name="Subtitle 5">
             <a:extLst>
               <a:ext uri="{FF2B5EF4-FFF2-40B4-BE49-F238E27FC236}">
-                <a16:creationId xmlns:a16="http://schemas.microsoft.com/office/drawing/2014/main" xmlns="" id="{A58A813F-93DD-6859-D690-7359783865B3}"/>
+                <a16:creationId xmlns="" xmlns:a16="http://schemas.microsoft.com/office/drawing/2014/main" id="{A58A813F-93DD-6859-D690-7359783865B3}"/>
               </a:ext>
             </a:extLst>
           </p:cNvPr>
@@ -5261,7 +5284,7 @@
           <p:cNvPr id="7" name="TextBox 6">
             <a:extLst>
               <a:ext uri="{FF2B5EF4-FFF2-40B4-BE49-F238E27FC236}">
-                <a16:creationId xmlns:a16="http://schemas.microsoft.com/office/drawing/2014/main" xmlns="" id="{F53D7480-AEB5-CF5E-D605-92917B744502}"/>
+                <a16:creationId xmlns="" xmlns:a16="http://schemas.microsoft.com/office/drawing/2014/main" id="{F53D7480-AEB5-CF5E-D605-92917B744502}"/>
               </a:ext>
             </a:extLst>
           </p:cNvPr>
@@ -5379,7 +5402,7 @@
     </p:spTree>
     <p:extLst>
       <p:ext uri="{BB962C8B-B14F-4D97-AF65-F5344CB8AC3E}">
-        <p14:creationId xmlns:p14="http://schemas.microsoft.com/office/powerpoint/2010/main" xmlns="" val="3347074628"/>
+        <p14:creationId xmlns="" xmlns:p14="http://schemas.microsoft.com/office/powerpoint/2010/main" val="3347074628"/>
       </p:ext>
     </p:extLst>
   </p:cSld>
@@ -5411,7 +5434,7 @@
           <p:cNvPr id="2" name="Title 1">
             <a:extLst>
               <a:ext uri="{FF2B5EF4-FFF2-40B4-BE49-F238E27FC236}">
-                <a16:creationId xmlns:a16="http://schemas.microsoft.com/office/drawing/2014/main" xmlns="" id="{E8B8F26E-9345-4747-9094-972E38700A17}"/>
+                <a16:creationId xmlns="" xmlns:a16="http://schemas.microsoft.com/office/drawing/2014/main" id="{E8B8F26E-9345-4747-9094-972E38700A17}"/>
               </a:ext>
             </a:extLst>
           </p:cNvPr>
@@ -5464,7 +5487,7 @@
           <p:cNvPr id="4" name="Picture 3">
             <a:extLst>
               <a:ext uri="{FF2B5EF4-FFF2-40B4-BE49-F238E27FC236}">
-                <a16:creationId xmlns:a16="http://schemas.microsoft.com/office/drawing/2014/main" xmlns="" id="{7A465064-0714-5743-882B-8875105A7023}"/>
+                <a16:creationId xmlns="" xmlns:a16="http://schemas.microsoft.com/office/drawing/2014/main" id="{7A465064-0714-5743-882B-8875105A7023}"/>
               </a:ext>
             </a:extLst>
           </p:cNvPr>
@@ -5477,7 +5500,7 @@
           <a:blip r:embed="rId2" cstate="print">
             <a:extLst>
               <a:ext uri="{28A0092B-C50C-407E-A947-70E740481C1C}">
-                <a14:useLocalDpi xmlns:a14="http://schemas.microsoft.com/office/drawing/2010/main" xmlns="" val="0"/>
+                <a14:useLocalDpi xmlns="" xmlns:a14="http://schemas.microsoft.com/office/drawing/2010/main" val="0"/>
               </a:ext>
             </a:extLst>
           </a:blip>
@@ -5500,7 +5523,7 @@
           <p:cNvPr id="6" name="Subtitle 5">
             <a:extLst>
               <a:ext uri="{FF2B5EF4-FFF2-40B4-BE49-F238E27FC236}">
-                <a16:creationId xmlns:a16="http://schemas.microsoft.com/office/drawing/2014/main" xmlns="" id="{A58A813F-93DD-6859-D690-7359783865B3}"/>
+                <a16:creationId xmlns="" xmlns:a16="http://schemas.microsoft.com/office/drawing/2014/main" id="{A58A813F-93DD-6859-D690-7359783865B3}"/>
               </a:ext>
             </a:extLst>
           </p:cNvPr>
@@ -5539,7 +5562,7 @@
           <p:cNvPr id="7" name="TextBox 6">
             <a:extLst>
               <a:ext uri="{FF2B5EF4-FFF2-40B4-BE49-F238E27FC236}">
-                <a16:creationId xmlns:a16="http://schemas.microsoft.com/office/drawing/2014/main" xmlns="" id="{F53D7480-AEB5-CF5E-D605-92917B744502}"/>
+                <a16:creationId xmlns="" xmlns:a16="http://schemas.microsoft.com/office/drawing/2014/main" id="{F53D7480-AEB5-CF5E-D605-92917B744502}"/>
               </a:ext>
             </a:extLst>
           </p:cNvPr>
@@ -5589,7 +5612,7 @@
     </p:spTree>
     <p:extLst>
       <p:ext uri="{BB962C8B-B14F-4D97-AF65-F5344CB8AC3E}">
-        <p14:creationId xmlns:p14="http://schemas.microsoft.com/office/powerpoint/2010/main" xmlns="" val="690333678"/>
+        <p14:creationId xmlns="" xmlns:p14="http://schemas.microsoft.com/office/powerpoint/2010/main" val="690333678"/>
       </p:ext>
     </p:extLst>
   </p:cSld>
@@ -5621,7 +5644,7 @@
           <p:cNvPr id="2" name="Title 1">
             <a:extLst>
               <a:ext uri="{FF2B5EF4-FFF2-40B4-BE49-F238E27FC236}">
-                <a16:creationId xmlns:a16="http://schemas.microsoft.com/office/drawing/2014/main" xmlns="" id="{E8B8F26E-9345-4747-9094-972E38700A17}"/>
+                <a16:creationId xmlns="" xmlns:a16="http://schemas.microsoft.com/office/drawing/2014/main" id="{E8B8F26E-9345-4747-9094-972E38700A17}"/>
               </a:ext>
             </a:extLst>
           </p:cNvPr>
@@ -5674,7 +5697,7 @@
           <p:cNvPr id="4" name="Picture 3">
             <a:extLst>
               <a:ext uri="{FF2B5EF4-FFF2-40B4-BE49-F238E27FC236}">
-                <a16:creationId xmlns:a16="http://schemas.microsoft.com/office/drawing/2014/main" xmlns="" id="{7A465064-0714-5743-882B-8875105A7023}"/>
+                <a16:creationId xmlns="" xmlns:a16="http://schemas.microsoft.com/office/drawing/2014/main" id="{7A465064-0714-5743-882B-8875105A7023}"/>
               </a:ext>
             </a:extLst>
           </p:cNvPr>
@@ -5687,7 +5710,7 @@
           <a:blip r:embed="rId2" cstate="print">
             <a:extLst>
               <a:ext uri="{28A0092B-C50C-407E-A947-70E740481C1C}">
-                <a14:useLocalDpi xmlns:a14="http://schemas.microsoft.com/office/drawing/2010/main" xmlns="" val="0"/>
+                <a14:useLocalDpi xmlns="" xmlns:a14="http://schemas.microsoft.com/office/drawing/2010/main" val="0"/>
               </a:ext>
             </a:extLst>
           </a:blip>
@@ -5710,7 +5733,7 @@
           <p:cNvPr id="6" name="Subtitle 5">
             <a:extLst>
               <a:ext uri="{FF2B5EF4-FFF2-40B4-BE49-F238E27FC236}">
-                <a16:creationId xmlns:a16="http://schemas.microsoft.com/office/drawing/2014/main" xmlns="" id="{A58A813F-93DD-6859-D690-7359783865B3}"/>
+                <a16:creationId xmlns="" xmlns:a16="http://schemas.microsoft.com/office/drawing/2014/main" id="{A58A813F-93DD-6859-D690-7359783865B3}"/>
               </a:ext>
             </a:extLst>
           </p:cNvPr>
@@ -5749,7 +5772,7 @@
           <p:cNvPr id="7" name="TextBox 6">
             <a:extLst>
               <a:ext uri="{FF2B5EF4-FFF2-40B4-BE49-F238E27FC236}">
-                <a16:creationId xmlns:a16="http://schemas.microsoft.com/office/drawing/2014/main" xmlns="" id="{F53D7480-AEB5-CF5E-D605-92917B744502}"/>
+                <a16:creationId xmlns="" xmlns:a16="http://schemas.microsoft.com/office/drawing/2014/main" id="{F53D7480-AEB5-CF5E-D605-92917B744502}"/>
               </a:ext>
             </a:extLst>
           </p:cNvPr>
@@ -5849,7 +5872,7 @@
     </p:spTree>
     <p:extLst>
       <p:ext uri="{BB962C8B-B14F-4D97-AF65-F5344CB8AC3E}">
-        <p14:creationId xmlns:p14="http://schemas.microsoft.com/office/powerpoint/2010/main" xmlns="" val="4055702294"/>
+        <p14:creationId xmlns="" xmlns:p14="http://schemas.microsoft.com/office/powerpoint/2010/main" val="4055702294"/>
       </p:ext>
     </p:extLst>
   </p:cSld>
@@ -5881,7 +5904,7 @@
           <p:cNvPr id="2" name="Title 1">
             <a:extLst>
               <a:ext uri="{FF2B5EF4-FFF2-40B4-BE49-F238E27FC236}">
-                <a16:creationId xmlns:a16="http://schemas.microsoft.com/office/drawing/2014/main" xmlns="" id="{E8B8F26E-9345-4747-9094-972E38700A17}"/>
+                <a16:creationId xmlns="" xmlns:a16="http://schemas.microsoft.com/office/drawing/2014/main" id="{E8B8F26E-9345-4747-9094-972E38700A17}"/>
               </a:ext>
             </a:extLst>
           </p:cNvPr>
@@ -5934,7 +5957,7 @@
           <p:cNvPr id="4" name="Picture 3">
             <a:extLst>
               <a:ext uri="{FF2B5EF4-FFF2-40B4-BE49-F238E27FC236}">
-                <a16:creationId xmlns:a16="http://schemas.microsoft.com/office/drawing/2014/main" xmlns="" id="{7A465064-0714-5743-882B-8875105A7023}"/>
+                <a16:creationId xmlns="" xmlns:a16="http://schemas.microsoft.com/office/drawing/2014/main" id="{7A465064-0714-5743-882B-8875105A7023}"/>
               </a:ext>
             </a:extLst>
           </p:cNvPr>
@@ -5947,7 +5970,7 @@
           <a:blip r:embed="rId2" cstate="print">
             <a:extLst>
               <a:ext uri="{28A0092B-C50C-407E-A947-70E740481C1C}">
-                <a14:useLocalDpi xmlns:a14="http://schemas.microsoft.com/office/drawing/2010/main" xmlns="" val="0"/>
+                <a14:useLocalDpi xmlns="" xmlns:a14="http://schemas.microsoft.com/office/drawing/2010/main" val="0"/>
               </a:ext>
             </a:extLst>
           </a:blip>
@@ -5970,7 +5993,7 @@
           <p:cNvPr id="6" name="Subtitle 5">
             <a:extLst>
               <a:ext uri="{FF2B5EF4-FFF2-40B4-BE49-F238E27FC236}">
-                <a16:creationId xmlns:a16="http://schemas.microsoft.com/office/drawing/2014/main" xmlns="" id="{A58A813F-93DD-6859-D690-7359783865B3}"/>
+                <a16:creationId xmlns="" xmlns:a16="http://schemas.microsoft.com/office/drawing/2014/main" id="{A58A813F-93DD-6859-D690-7359783865B3}"/>
               </a:ext>
             </a:extLst>
           </p:cNvPr>
@@ -6009,7 +6032,7 @@
           <p:cNvPr id="5" name="Picture 4" descr="Chart, bar chart, waterfall chart&#10;&#10;Description automatically generated">
             <a:extLst>
               <a:ext uri="{FF2B5EF4-FFF2-40B4-BE49-F238E27FC236}">
-                <a16:creationId xmlns:a16="http://schemas.microsoft.com/office/drawing/2014/main" xmlns="" id="{9DBDDE88-7467-0B03-92AA-DA88A0EA45F3}"/>
+                <a16:creationId xmlns="" xmlns:a16="http://schemas.microsoft.com/office/drawing/2014/main" id="{9DBDDE88-7467-0B03-92AA-DA88A0EA45F3}"/>
               </a:ext>
             </a:extLst>
           </p:cNvPr>
@@ -6022,7 +6045,7 @@
           <a:blip r:embed="rId3">
             <a:extLst>
               <a:ext uri="{28A0092B-C50C-407E-A947-70E740481C1C}">
-                <a14:useLocalDpi xmlns:a14="http://schemas.microsoft.com/office/drawing/2010/main" xmlns="" val="0"/>
+                <a14:useLocalDpi xmlns="" xmlns:a14="http://schemas.microsoft.com/office/drawing/2010/main" val="0"/>
               </a:ext>
             </a:extLst>
           </a:blip>
@@ -6045,7 +6068,7 @@
           <p:cNvPr id="8" name="TextBox 7">
             <a:extLst>
               <a:ext uri="{FF2B5EF4-FFF2-40B4-BE49-F238E27FC236}">
-                <a16:creationId xmlns:a16="http://schemas.microsoft.com/office/drawing/2014/main" xmlns="" id="{B3855847-6A61-7039-3554-53DB164F6E29}"/>
+                <a16:creationId xmlns="" xmlns:a16="http://schemas.microsoft.com/office/drawing/2014/main" id="{B3855847-6A61-7039-3554-53DB164F6E29}"/>
               </a:ext>
             </a:extLst>
           </p:cNvPr>
@@ -6078,11 +6101,7 @@
             </a:r>
             <a:r>
               <a:rPr lang="en-US" dirty="0" smtClean="0"/>
-              <a:t>blue collar</a:t>
-            </a:r>
-            <a:r>
-              <a:rPr lang="en-US" dirty="0" smtClean="0"/>
-              <a:t> </a:t>
+              <a:t>blue collar </a:t>
             </a:r>
             <a:r>
               <a:rPr lang="en-US" dirty="0"/>
@@ -6143,7 +6162,7 @@
     </p:spTree>
     <p:extLst>
       <p:ext uri="{BB962C8B-B14F-4D97-AF65-F5344CB8AC3E}">
-        <p14:creationId xmlns:p14="http://schemas.microsoft.com/office/powerpoint/2010/main" xmlns="" val="3854078208"/>
+        <p14:creationId xmlns="" xmlns:p14="http://schemas.microsoft.com/office/powerpoint/2010/main" val="3854078208"/>
       </p:ext>
     </p:extLst>
   </p:cSld>
@@ -6175,7 +6194,7 @@
           <p:cNvPr id="2" name="Title 1">
             <a:extLst>
               <a:ext uri="{FF2B5EF4-FFF2-40B4-BE49-F238E27FC236}">
-                <a16:creationId xmlns:a16="http://schemas.microsoft.com/office/drawing/2014/main" xmlns="" id="{E8B8F26E-9345-4747-9094-972E38700A17}"/>
+                <a16:creationId xmlns="" xmlns:a16="http://schemas.microsoft.com/office/drawing/2014/main" id="{E8B8F26E-9345-4747-9094-972E38700A17}"/>
               </a:ext>
             </a:extLst>
           </p:cNvPr>
@@ -6228,7 +6247,7 @@
           <p:cNvPr id="4" name="Picture 3">
             <a:extLst>
               <a:ext uri="{FF2B5EF4-FFF2-40B4-BE49-F238E27FC236}">
-                <a16:creationId xmlns:a16="http://schemas.microsoft.com/office/drawing/2014/main" xmlns="" id="{7A465064-0714-5743-882B-8875105A7023}"/>
+                <a16:creationId xmlns="" xmlns:a16="http://schemas.microsoft.com/office/drawing/2014/main" id="{7A465064-0714-5743-882B-8875105A7023}"/>
               </a:ext>
             </a:extLst>
           </p:cNvPr>
@@ -6241,7 +6260,7 @@
           <a:blip r:embed="rId2" cstate="print">
             <a:extLst>
               <a:ext uri="{28A0092B-C50C-407E-A947-70E740481C1C}">
-                <a14:useLocalDpi xmlns:a14="http://schemas.microsoft.com/office/drawing/2010/main" xmlns="" val="0"/>
+                <a14:useLocalDpi xmlns="" xmlns:a14="http://schemas.microsoft.com/office/drawing/2010/main" val="0"/>
               </a:ext>
             </a:extLst>
           </a:blip>
@@ -6264,7 +6283,7 @@
           <p:cNvPr id="6" name="Subtitle 5">
             <a:extLst>
               <a:ext uri="{FF2B5EF4-FFF2-40B4-BE49-F238E27FC236}">
-                <a16:creationId xmlns:a16="http://schemas.microsoft.com/office/drawing/2014/main" xmlns="" id="{A58A813F-93DD-6859-D690-7359783865B3}"/>
+                <a16:creationId xmlns="" xmlns:a16="http://schemas.microsoft.com/office/drawing/2014/main" id="{A58A813F-93DD-6859-D690-7359783865B3}"/>
               </a:ext>
             </a:extLst>
           </p:cNvPr>
@@ -6303,7 +6322,7 @@
           <p:cNvPr id="7" name="Picture 6" descr="Graphical user interface&#10;&#10;Description automatically generated">
             <a:extLst>
               <a:ext uri="{FF2B5EF4-FFF2-40B4-BE49-F238E27FC236}">
-                <a16:creationId xmlns:a16="http://schemas.microsoft.com/office/drawing/2014/main" xmlns="" id="{C63110B8-A8E3-64FC-7077-00034F655553}"/>
+                <a16:creationId xmlns="" xmlns:a16="http://schemas.microsoft.com/office/drawing/2014/main" id="{C63110B8-A8E3-64FC-7077-00034F655553}"/>
               </a:ext>
             </a:extLst>
           </p:cNvPr>
@@ -6316,7 +6335,7 @@
           <a:blip r:embed="rId3">
             <a:extLst>
               <a:ext uri="{28A0092B-C50C-407E-A947-70E740481C1C}">
-                <a14:useLocalDpi xmlns:a14="http://schemas.microsoft.com/office/drawing/2010/main" xmlns="" val="0"/>
+                <a14:useLocalDpi xmlns="" xmlns:a14="http://schemas.microsoft.com/office/drawing/2010/main" val="0"/>
               </a:ext>
             </a:extLst>
           </a:blip>
@@ -6339,7 +6358,7 @@
           <p:cNvPr id="8" name="TextBox 7">
             <a:extLst>
               <a:ext uri="{FF2B5EF4-FFF2-40B4-BE49-F238E27FC236}">
-                <a16:creationId xmlns:a16="http://schemas.microsoft.com/office/drawing/2014/main" xmlns="" id="{CFDEBF8F-2DE9-4616-C4CB-7757F3046523}"/>
+                <a16:creationId xmlns="" xmlns:a16="http://schemas.microsoft.com/office/drawing/2014/main" id="{CFDEBF8F-2DE9-4616-C4CB-7757F3046523}"/>
               </a:ext>
             </a:extLst>
           </p:cNvPr>
@@ -6423,7 +6442,7 @@
     </p:spTree>
     <p:extLst>
       <p:ext uri="{BB962C8B-B14F-4D97-AF65-F5344CB8AC3E}">
-        <p14:creationId xmlns:p14="http://schemas.microsoft.com/office/powerpoint/2010/main" xmlns="" val="4155164125"/>
+        <p14:creationId xmlns="" xmlns:p14="http://schemas.microsoft.com/office/powerpoint/2010/main" val="4155164125"/>
       </p:ext>
     </p:extLst>
   </p:cSld>
@@ -6455,7 +6474,7 @@
           <p:cNvPr id="2" name="Title 1">
             <a:extLst>
               <a:ext uri="{FF2B5EF4-FFF2-40B4-BE49-F238E27FC236}">
-                <a16:creationId xmlns:a16="http://schemas.microsoft.com/office/drawing/2014/main" xmlns="" id="{E8B8F26E-9345-4747-9094-972E38700A17}"/>
+                <a16:creationId xmlns="" xmlns:a16="http://schemas.microsoft.com/office/drawing/2014/main" id="{E8B8F26E-9345-4747-9094-972E38700A17}"/>
               </a:ext>
             </a:extLst>
           </p:cNvPr>
@@ -6508,7 +6527,7 @@
           <p:cNvPr id="4" name="Picture 3">
             <a:extLst>
               <a:ext uri="{FF2B5EF4-FFF2-40B4-BE49-F238E27FC236}">
-                <a16:creationId xmlns:a16="http://schemas.microsoft.com/office/drawing/2014/main" xmlns="" id="{7A465064-0714-5743-882B-8875105A7023}"/>
+                <a16:creationId xmlns="" xmlns:a16="http://schemas.microsoft.com/office/drawing/2014/main" id="{7A465064-0714-5743-882B-8875105A7023}"/>
               </a:ext>
             </a:extLst>
           </p:cNvPr>
@@ -6521,7 +6540,7 @@
           <a:blip r:embed="rId2" cstate="print">
             <a:extLst>
               <a:ext uri="{28A0092B-C50C-407E-A947-70E740481C1C}">
-                <a14:useLocalDpi xmlns:a14="http://schemas.microsoft.com/office/drawing/2010/main" xmlns="" val="0"/>
+                <a14:useLocalDpi xmlns="" xmlns:a14="http://schemas.microsoft.com/office/drawing/2010/main" val="0"/>
               </a:ext>
             </a:extLst>
           </a:blip>
@@ -6544,7 +6563,7 @@
           <p:cNvPr id="6" name="Subtitle 5">
             <a:extLst>
               <a:ext uri="{FF2B5EF4-FFF2-40B4-BE49-F238E27FC236}">
-                <a16:creationId xmlns:a16="http://schemas.microsoft.com/office/drawing/2014/main" xmlns="" id="{A58A813F-93DD-6859-D690-7359783865B3}"/>
+                <a16:creationId xmlns="" xmlns:a16="http://schemas.microsoft.com/office/drawing/2014/main" id="{A58A813F-93DD-6859-D690-7359783865B3}"/>
               </a:ext>
             </a:extLst>
           </p:cNvPr>
@@ -6583,7 +6602,7 @@
           <p:cNvPr id="5" name="Picture 4" descr="Chart, bar chart&#10;&#10;Description automatically generated">
             <a:extLst>
               <a:ext uri="{FF2B5EF4-FFF2-40B4-BE49-F238E27FC236}">
-                <a16:creationId xmlns:a16="http://schemas.microsoft.com/office/drawing/2014/main" xmlns="" id="{A545A5F2-E4E3-A305-A3E8-E4F303D142DD}"/>
+                <a16:creationId xmlns="" xmlns:a16="http://schemas.microsoft.com/office/drawing/2014/main" id="{A545A5F2-E4E3-A305-A3E8-E4F303D142DD}"/>
               </a:ext>
             </a:extLst>
           </p:cNvPr>
@@ -6596,7 +6615,7 @@
           <a:blip r:embed="rId3">
             <a:extLst>
               <a:ext uri="{28A0092B-C50C-407E-A947-70E740481C1C}">
-                <a14:useLocalDpi xmlns:a14="http://schemas.microsoft.com/office/drawing/2010/main" xmlns="" val="0"/>
+                <a14:useLocalDpi xmlns="" xmlns:a14="http://schemas.microsoft.com/office/drawing/2010/main" val="0"/>
               </a:ext>
             </a:extLst>
           </a:blip>
@@ -6619,7 +6638,7 @@
           <p:cNvPr id="10" name="Picture 9" descr="Chart, box and whisker chart&#10;&#10;Description automatically generated">
             <a:extLst>
               <a:ext uri="{FF2B5EF4-FFF2-40B4-BE49-F238E27FC236}">
-                <a16:creationId xmlns:a16="http://schemas.microsoft.com/office/drawing/2014/main" xmlns="" id="{FC1CE98B-E0A4-DBDE-DCD7-DB08A09D867E}"/>
+                <a16:creationId xmlns="" xmlns:a16="http://schemas.microsoft.com/office/drawing/2014/main" id="{FC1CE98B-E0A4-DBDE-DCD7-DB08A09D867E}"/>
               </a:ext>
             </a:extLst>
           </p:cNvPr>
@@ -6632,7 +6651,7 @@
           <a:blip r:embed="rId4">
             <a:extLst>
               <a:ext uri="{28A0092B-C50C-407E-A947-70E740481C1C}">
-                <a14:useLocalDpi xmlns:a14="http://schemas.microsoft.com/office/drawing/2010/main" xmlns="" val="0"/>
+                <a14:useLocalDpi xmlns="" xmlns:a14="http://schemas.microsoft.com/office/drawing/2010/main" val="0"/>
               </a:ext>
             </a:extLst>
           </a:blip>
@@ -6653,7 +6672,7 @@
     </p:spTree>
     <p:extLst>
       <p:ext uri="{BB962C8B-B14F-4D97-AF65-F5344CB8AC3E}">
-        <p14:creationId xmlns:p14="http://schemas.microsoft.com/office/powerpoint/2010/main" xmlns="" val="1928524673"/>
+        <p14:creationId xmlns="" xmlns:p14="http://schemas.microsoft.com/office/powerpoint/2010/main" val="1928524673"/>
       </p:ext>
     </p:extLst>
   </p:cSld>
@@ -6918,7 +6937,7 @@
   <a:extraClrSchemeLst/>
   <a:extLst>
     <a:ext uri="{05A4C25C-085E-4340-85A3-A5531E510DB2}">
-      <thm15:themeFamily xmlns:thm15="http://schemas.microsoft.com/office/thememl/2012/main" xmlns="" name="Data Glacier Internship" id="{2B17C0A9-4F1A-394C-9305-82F12CA26E4F}" vid="{F9955FDF-826E-7C4D-B52C-017E9540C8B9}"/>
+      <thm15:themeFamily xmlns="" xmlns:thm15="http://schemas.microsoft.com/office/thememl/2012/main" name="Data Glacier Internship" id="{2B17C0A9-4F1A-394C-9305-82F12CA26E4F}" vid="{F9955FDF-826E-7C4D-B52C-017E9540C8B9}"/>
     </a:ext>
   </a:extLst>
 </a:theme>
